--- a/PPT_KI_Innovation.pptx
+++ b/PPT_KI_Innovation.pptx
@@ -7,7 +7,11 @@
   <p:sldIdLst>
     <p:sldId id="256" r:id="rId2"/>
     <p:sldId id="257" r:id="rId3"/>
-    <p:sldId id="258" r:id="rId4"/>
+    <p:sldId id="259" r:id="rId4"/>
+    <p:sldId id="260" r:id="rId5"/>
+    <p:sldId id="261" r:id="rId6"/>
+    <p:sldId id="262" r:id="rId7"/>
+    <p:sldId id="258" r:id="rId8"/>
   </p:sldIdLst>
   <p:sldSz cx="12192000" cy="6858000"/>
   <p:notesSz cx="6858000" cy="9144000"/>
@@ -3341,12 +3345,26 @@
         </p:nvSpPr>
         <p:spPr/>
         <p:txBody>
-          <a:bodyPr/>
-          <a:lstStyle/>
-          <a:p>
+          <a:bodyPr>
+            <a:normAutofit fontScale="90000"/>
+          </a:bodyPr>
+          <a:lstStyle/>
+          <a:p>
+            <a:r>
+              <a:rPr lang="de-DE" dirty="0"/>
+              <a:t>Implementation </a:t>
+            </a:r>
             <a:r>
               <a:rPr lang="de-DE" dirty="0" err="1"/>
-              <a:t>Bla</a:t>
+              <a:t>of</a:t>
+            </a:r>
+            <a:r>
+              <a:rPr lang="de-DE" dirty="0"/>
+              <a:t> an AI </a:t>
+            </a:r>
+            <a:r>
+              <a:rPr lang="de-DE" dirty="0" err="1"/>
+              <a:t>system</a:t>
             </a:r>
             <a:r>
               <a:rPr lang="de-DE" dirty="0"/>
@@ -3354,7 +3372,7 @@
             </a:r>
             <a:r>
               <a:rPr lang="de-DE" dirty="0" err="1"/>
-              <a:t>bla</a:t>
+              <a:t>to</a:t>
             </a:r>
             <a:r>
               <a:rPr lang="de-DE" dirty="0"/>
@@ -3362,7 +3380,23 @@
             </a:r>
             <a:r>
               <a:rPr lang="de-DE" dirty="0" err="1"/>
-              <a:t>lidl</a:t>
+              <a:t>predict</a:t>
+            </a:r>
+            <a:r>
+              <a:rPr lang="de-DE" dirty="0"/>
+              <a:t> </a:t>
+            </a:r>
+            <a:r>
+              <a:rPr lang="de-DE" dirty="0" err="1"/>
+              <a:t>sales</a:t>
+            </a:r>
+            <a:r>
+              <a:rPr lang="de-DE" dirty="0"/>
+              <a:t> </a:t>
+            </a:r>
+            <a:r>
+              <a:rPr lang="de-DE" dirty="0" err="1"/>
+              <a:t>volume</a:t>
             </a:r>
             <a:endParaRPr lang="de-DE" dirty="0"/>
           </a:p>
@@ -3446,8 +3480,21 @@
           <a:p>
             <a:r>
               <a:rPr lang="de-DE" dirty="0"/>
-              <a:t>Gliederung</a:t>
-            </a:r>
+              <a:t>Table </a:t>
+            </a:r>
+            <a:r>
+              <a:rPr lang="de-DE" dirty="0" err="1"/>
+              <a:t>of</a:t>
+            </a:r>
+            <a:r>
+              <a:rPr lang="de-DE" dirty="0"/>
+              <a:t> </a:t>
+            </a:r>
+            <a:r>
+              <a:rPr lang="de-DE" dirty="0" err="1"/>
+              <a:t>contents</a:t>
+            </a:r>
+            <a:endParaRPr lang="de-DE" dirty="0"/>
           </a:p>
         </p:txBody>
       </p:sp>
@@ -3474,28 +3521,39 @@
           <a:p>
             <a:r>
               <a:rPr lang="de-DE" dirty="0"/>
-              <a:t>Motivation &amp; Ziele</a:t>
-            </a:r>
-          </a:p>
-          <a:p>
+              <a:t>Motivation &amp; </a:t>
+            </a:r>
+            <a:r>
+              <a:rPr lang="de-DE" dirty="0" err="1"/>
+              <a:t>goals</a:t>
+            </a:r>
+            <a:endParaRPr lang="de-DE" dirty="0"/>
+          </a:p>
+          <a:p>
+            <a:r>
+              <a:rPr lang="de-DE" dirty="0" err="1"/>
+              <a:t>Current</a:t>
+            </a:r>
             <a:r>
               <a:rPr lang="de-DE" dirty="0"/>
-              <a:t>Wie läuft es aktuell</a:t>
-            </a:r>
+              <a:t> </a:t>
+            </a:r>
+            <a:r>
+              <a:rPr lang="de-DE" dirty="0" err="1"/>
+              <a:t>state</a:t>
+            </a:r>
+            <a:endParaRPr lang="de-DE" dirty="0"/>
           </a:p>
           <a:p>
             <a:r>
               <a:rPr lang="de-DE" dirty="0"/>
-              <a:t>Wie sollte es ablaufen (Best </a:t>
+              <a:t>Target </a:t>
             </a:r>
             <a:r>
               <a:rPr lang="de-DE" dirty="0" err="1"/>
-              <a:t>practice</a:t>
-            </a:r>
-            <a:r>
-              <a:rPr lang="de-DE" dirty="0"/>
-              <a:t>)</a:t>
-            </a:r>
+              <a:t>state</a:t>
+            </a:r>
+            <a:endParaRPr lang="de-DE" dirty="0"/>
           </a:p>
           <a:p>
             <a:pPr lvl="1"/>
@@ -3509,14 +3567,15 @@
             <a:pPr lvl="1"/>
             <a:r>
               <a:rPr lang="de-DE" dirty="0"/>
-              <a:t>Lösungen</a:t>
-            </a:r>
-          </a:p>
-          <a:p>
-            <a:r>
-              <a:rPr lang="de-DE" dirty="0"/>
-              <a:t>Fazit</a:t>
-            </a:r>
+              <a:t>Solutions</a:t>
+            </a:r>
+          </a:p>
+          <a:p>
+            <a:r>
+              <a:rPr lang="de-DE" dirty="0" err="1"/>
+              <a:t>Conclusion</a:t>
+            </a:r>
+            <a:endParaRPr lang="de-DE" dirty="0"/>
           </a:p>
           <a:p>
             <a:endParaRPr lang="de-DE" dirty="0"/>
@@ -3564,6 +3623,573 @@
           <p:cNvPr id="2" name="Titel 1">
             <a:extLst>
               <a:ext uri="{FF2B5EF4-FFF2-40B4-BE49-F238E27FC236}">
+                <a16:creationId xmlns:a16="http://schemas.microsoft.com/office/drawing/2014/main" id="{6F169881-46AD-4626-8C54-A5EBADE47DF0}"/>
+              </a:ext>
+            </a:extLst>
+          </p:cNvPr>
+          <p:cNvSpPr>
+            <a:spLocks noGrp="1"/>
+          </p:cNvSpPr>
+          <p:nvPr>
+            <p:ph type="title"/>
+          </p:nvPr>
+        </p:nvSpPr>
+        <p:spPr/>
+        <p:txBody>
+          <a:bodyPr/>
+          <a:lstStyle/>
+          <a:p>
+            <a:r>
+              <a:rPr lang="de-DE" dirty="0"/>
+              <a:t>Motivation &amp; </a:t>
+            </a:r>
+            <a:r>
+              <a:rPr lang="de-DE" dirty="0" err="1"/>
+              <a:t>goals</a:t>
+            </a:r>
+            <a:r>
+              <a:rPr lang="de-DE" dirty="0"/>
+              <a:t>		</a:t>
+            </a:r>
+          </a:p>
+        </p:txBody>
+      </p:sp>
+      <p:sp>
+        <p:nvSpPr>
+          <p:cNvPr id="3" name="Inhaltsplatzhalter 2">
+            <a:extLst>
+              <a:ext uri="{FF2B5EF4-FFF2-40B4-BE49-F238E27FC236}">
+                <a16:creationId xmlns:a16="http://schemas.microsoft.com/office/drawing/2014/main" id="{9AD84D5E-B64F-4935-9DB3-72B1AF691F24}"/>
+              </a:ext>
+            </a:extLst>
+          </p:cNvPr>
+          <p:cNvSpPr>
+            <a:spLocks noGrp="1"/>
+          </p:cNvSpPr>
+          <p:nvPr>
+            <p:ph idx="1"/>
+          </p:nvPr>
+        </p:nvSpPr>
+        <p:spPr/>
+        <p:txBody>
+          <a:bodyPr/>
+          <a:lstStyle/>
+          <a:p>
+            <a:r>
+              <a:rPr lang="de-DE" dirty="0" err="1"/>
+              <a:t>Reduce</a:t>
+            </a:r>
+            <a:r>
+              <a:rPr lang="de-DE" dirty="0"/>
+              <a:t>:</a:t>
+            </a:r>
+          </a:p>
+          <a:p>
+            <a:pPr lvl="1"/>
+            <a:r>
+              <a:rPr lang="de-DE" dirty="0"/>
+              <a:t>Storage </a:t>
+            </a:r>
+            <a:r>
+              <a:rPr lang="de-DE" dirty="0" err="1"/>
+              <a:t>costs</a:t>
+            </a:r>
+            <a:endParaRPr lang="de-DE" dirty="0"/>
+          </a:p>
+          <a:p>
+            <a:pPr lvl="1"/>
+            <a:r>
+              <a:rPr lang="de-DE" dirty="0"/>
+              <a:t>Capital </a:t>
+            </a:r>
+            <a:r>
+              <a:rPr lang="de-DE" dirty="0" err="1"/>
+              <a:t>commitment</a:t>
+            </a:r>
+            <a:endParaRPr lang="de-DE" dirty="0"/>
+          </a:p>
+          <a:p>
+            <a:pPr lvl="1"/>
+            <a:r>
+              <a:rPr lang="de-DE" dirty="0" err="1"/>
+              <a:t>Waste</a:t>
+            </a:r>
+            <a:endParaRPr lang="de-DE" dirty="0"/>
+          </a:p>
+          <a:p>
+            <a:pPr lvl="1"/>
+            <a:endParaRPr lang="de-DE" dirty="0"/>
+          </a:p>
+          <a:p>
+            <a:r>
+              <a:rPr lang="de-DE" dirty="0" err="1"/>
+              <a:t>Increase</a:t>
+            </a:r>
+            <a:endParaRPr lang="de-DE" dirty="0"/>
+          </a:p>
+          <a:p>
+            <a:pPr lvl="1"/>
+            <a:r>
+              <a:rPr lang="de-DE" dirty="0"/>
+              <a:t>Profit</a:t>
+            </a:r>
+          </a:p>
+          <a:p>
+            <a:pPr lvl="1"/>
+            <a:endParaRPr lang="de-DE" dirty="0"/>
+          </a:p>
+        </p:txBody>
+      </p:sp>
+    </p:spTree>
+    <p:extLst>
+      <p:ext uri="{BB962C8B-B14F-4D97-AF65-F5344CB8AC3E}">
+        <p14:creationId xmlns:p14="http://schemas.microsoft.com/office/powerpoint/2010/main" val="3821768595"/>
+      </p:ext>
+    </p:extLst>
+  </p:cSld>
+  <p:clrMapOvr>
+    <a:masterClrMapping/>
+  </p:clrMapOvr>
+</p:sld>
+</file>
+
+<file path=ppt/slides/slide4.xml><?xml version="1.0" encoding="utf-8"?>
+<p:sld xmlns:a="http://schemas.openxmlformats.org/drawingml/2006/main" xmlns:r="http://schemas.openxmlformats.org/officeDocument/2006/relationships" xmlns:p="http://schemas.openxmlformats.org/presentationml/2006/main">
+  <p:cSld>
+    <p:spTree>
+      <p:nvGrpSpPr>
+        <p:cNvPr id="1" name=""/>
+        <p:cNvGrpSpPr/>
+        <p:nvPr/>
+      </p:nvGrpSpPr>
+      <p:grpSpPr>
+        <a:xfrm>
+          <a:off x="0" y="0"/>
+          <a:ext cx="0" cy="0"/>
+          <a:chOff x="0" y="0"/>
+          <a:chExt cx="0" cy="0"/>
+        </a:xfrm>
+      </p:grpSpPr>
+      <p:sp>
+        <p:nvSpPr>
+          <p:cNvPr id="2" name="Titel 1">
+            <a:extLst>
+              <a:ext uri="{FF2B5EF4-FFF2-40B4-BE49-F238E27FC236}">
+                <a16:creationId xmlns:a16="http://schemas.microsoft.com/office/drawing/2014/main" id="{6F169881-46AD-4626-8C54-A5EBADE47DF0}"/>
+              </a:ext>
+            </a:extLst>
+          </p:cNvPr>
+          <p:cNvSpPr>
+            <a:spLocks noGrp="1"/>
+          </p:cNvSpPr>
+          <p:nvPr>
+            <p:ph type="title"/>
+          </p:nvPr>
+        </p:nvSpPr>
+        <p:spPr/>
+        <p:txBody>
+          <a:bodyPr/>
+          <a:lstStyle/>
+          <a:p>
+            <a:r>
+              <a:rPr lang="de-DE" dirty="0" err="1"/>
+              <a:t>Current</a:t>
+            </a:r>
+            <a:r>
+              <a:rPr lang="de-DE" dirty="0"/>
+              <a:t> </a:t>
+            </a:r>
+            <a:r>
+              <a:rPr lang="de-DE" dirty="0" err="1"/>
+              <a:t>state</a:t>
+            </a:r>
+            <a:endParaRPr lang="de-DE" dirty="0"/>
+          </a:p>
+        </p:txBody>
+      </p:sp>
+      <p:sp>
+        <p:nvSpPr>
+          <p:cNvPr id="3" name="Inhaltsplatzhalter 2">
+            <a:extLst>
+              <a:ext uri="{FF2B5EF4-FFF2-40B4-BE49-F238E27FC236}">
+                <a16:creationId xmlns:a16="http://schemas.microsoft.com/office/drawing/2014/main" id="{9AD84D5E-B64F-4935-9DB3-72B1AF691F24}"/>
+              </a:ext>
+            </a:extLst>
+          </p:cNvPr>
+          <p:cNvSpPr>
+            <a:spLocks noGrp="1"/>
+          </p:cNvSpPr>
+          <p:nvPr>
+            <p:ph idx="1"/>
+          </p:nvPr>
+        </p:nvSpPr>
+        <p:spPr/>
+        <p:txBody>
+          <a:bodyPr/>
+          <a:lstStyle/>
+          <a:p>
+            <a:r>
+              <a:rPr lang="de-DE" dirty="0"/>
+              <a:t>Wissen </a:t>
+            </a:r>
+            <a:r>
+              <a:rPr lang="de-DE" dirty="0" err="1"/>
+              <a:t>ma</a:t>
+            </a:r>
+            <a:r>
+              <a:rPr lang="de-DE" dirty="0"/>
+              <a:t> noch </a:t>
+            </a:r>
+            <a:r>
+              <a:rPr lang="de-DE" dirty="0" err="1"/>
+              <a:t>nedde</a:t>
+            </a:r>
+            <a:r>
+              <a:rPr lang="de-DE" dirty="0"/>
+              <a:t>	</a:t>
+            </a:r>
+          </a:p>
+        </p:txBody>
+      </p:sp>
+    </p:spTree>
+    <p:extLst>
+      <p:ext uri="{BB962C8B-B14F-4D97-AF65-F5344CB8AC3E}">
+        <p14:creationId xmlns:p14="http://schemas.microsoft.com/office/powerpoint/2010/main" val="2351200052"/>
+      </p:ext>
+    </p:extLst>
+  </p:cSld>
+  <p:clrMapOvr>
+    <a:masterClrMapping/>
+  </p:clrMapOvr>
+</p:sld>
+</file>
+
+<file path=ppt/slides/slide5.xml><?xml version="1.0" encoding="utf-8"?>
+<p:sld xmlns:a="http://schemas.openxmlformats.org/drawingml/2006/main" xmlns:r="http://schemas.openxmlformats.org/officeDocument/2006/relationships" xmlns:p="http://schemas.openxmlformats.org/presentationml/2006/main">
+  <p:cSld>
+    <p:spTree>
+      <p:nvGrpSpPr>
+        <p:cNvPr id="1" name=""/>
+        <p:cNvGrpSpPr/>
+        <p:nvPr/>
+      </p:nvGrpSpPr>
+      <p:grpSpPr>
+        <a:xfrm>
+          <a:off x="0" y="0"/>
+          <a:ext cx="0" cy="0"/>
+          <a:chOff x="0" y="0"/>
+          <a:chExt cx="0" cy="0"/>
+        </a:xfrm>
+      </p:grpSpPr>
+      <p:sp>
+        <p:nvSpPr>
+          <p:cNvPr id="2" name="Titel 1">
+            <a:extLst>
+              <a:ext uri="{FF2B5EF4-FFF2-40B4-BE49-F238E27FC236}">
+                <a16:creationId xmlns:a16="http://schemas.microsoft.com/office/drawing/2014/main" id="{18E9D0B7-2384-44BA-B7F8-039ABB648B1B}"/>
+              </a:ext>
+            </a:extLst>
+          </p:cNvPr>
+          <p:cNvSpPr>
+            <a:spLocks noGrp="1"/>
+          </p:cNvSpPr>
+          <p:nvPr>
+            <p:ph type="title"/>
+          </p:nvPr>
+        </p:nvSpPr>
+        <p:spPr/>
+        <p:txBody>
+          <a:bodyPr/>
+          <a:lstStyle/>
+          <a:p>
+            <a:r>
+              <a:rPr lang="de-DE" dirty="0"/>
+              <a:t>Target </a:t>
+            </a:r>
+            <a:r>
+              <a:rPr lang="de-DE" dirty="0" err="1"/>
+              <a:t>state</a:t>
+            </a:r>
+            <a:endParaRPr lang="de-DE" dirty="0"/>
+          </a:p>
+        </p:txBody>
+      </p:sp>
+      <p:sp>
+        <p:nvSpPr>
+          <p:cNvPr id="3" name="Inhaltsplatzhalter 2">
+            <a:extLst>
+              <a:ext uri="{FF2B5EF4-FFF2-40B4-BE49-F238E27FC236}">
+                <a16:creationId xmlns:a16="http://schemas.microsoft.com/office/drawing/2014/main" id="{03A9AA06-CDC1-43E6-ADBB-1C8BE3C00B58}"/>
+              </a:ext>
+            </a:extLst>
+          </p:cNvPr>
+          <p:cNvSpPr>
+            <a:spLocks noGrp="1"/>
+          </p:cNvSpPr>
+          <p:nvPr>
+            <p:ph idx="1"/>
+          </p:nvPr>
+        </p:nvSpPr>
+        <p:spPr/>
+        <p:txBody>
+          <a:bodyPr/>
+          <a:lstStyle/>
+          <a:p>
+            <a:r>
+              <a:rPr lang="de-DE" dirty="0" err="1"/>
+              <a:t>Challenges</a:t>
+            </a:r>
+            <a:r>
+              <a:rPr lang="de-DE" dirty="0"/>
+              <a:t> </a:t>
+            </a:r>
+          </a:p>
+          <a:p>
+            <a:pPr lvl="1"/>
+            <a:r>
+              <a:rPr lang="de-DE" dirty="0" err="1"/>
+              <a:t>Combining</a:t>
+            </a:r>
+            <a:r>
+              <a:rPr lang="de-DE" dirty="0"/>
+              <a:t> </a:t>
+            </a:r>
+            <a:r>
+              <a:rPr lang="de-DE" dirty="0" err="1"/>
+              <a:t>several</a:t>
+            </a:r>
+            <a:r>
+              <a:rPr lang="de-DE" dirty="0"/>
+              <a:t> </a:t>
+            </a:r>
+            <a:r>
+              <a:rPr lang="de-DE" dirty="0" err="1"/>
+              <a:t>datasets</a:t>
+            </a:r>
+            <a:endParaRPr lang="de-DE" dirty="0"/>
+          </a:p>
+          <a:p>
+            <a:pPr lvl="2"/>
+            <a:r>
+              <a:rPr lang="de-DE" dirty="0"/>
+              <a:t>Holidays , </a:t>
+            </a:r>
+            <a:r>
+              <a:rPr lang="de-DE" dirty="0" err="1"/>
+              <a:t>special</a:t>
+            </a:r>
+            <a:r>
+              <a:rPr lang="de-DE" dirty="0"/>
+              <a:t> </a:t>
+            </a:r>
+            <a:r>
+              <a:rPr lang="de-DE" dirty="0" err="1"/>
+              <a:t>events</a:t>
+            </a:r>
+            <a:r>
+              <a:rPr lang="de-DE" dirty="0"/>
+              <a:t>, </a:t>
+            </a:r>
+            <a:r>
+              <a:rPr lang="de-DE" dirty="0" err="1"/>
+              <a:t>discount</a:t>
+            </a:r>
+            <a:r>
+              <a:rPr lang="de-DE" dirty="0"/>
+              <a:t> &amp; </a:t>
+            </a:r>
+            <a:r>
+              <a:rPr lang="de-DE" dirty="0" err="1"/>
+              <a:t>marketing</a:t>
+            </a:r>
+            <a:r>
+              <a:rPr lang="de-DE" dirty="0"/>
+              <a:t> </a:t>
+            </a:r>
+            <a:r>
+              <a:rPr lang="de-DE" dirty="0" err="1"/>
+              <a:t>campaigns</a:t>
+            </a:r>
+            <a:r>
+              <a:rPr lang="de-DE" dirty="0"/>
+              <a:t>, </a:t>
+            </a:r>
+            <a:r>
+              <a:rPr lang="de-DE" dirty="0" err="1"/>
+              <a:t>staff</a:t>
+            </a:r>
+            <a:r>
+              <a:rPr lang="de-DE" dirty="0"/>
+              <a:t> </a:t>
+            </a:r>
+            <a:r>
+              <a:rPr lang="de-DE" dirty="0" err="1"/>
+              <a:t>costs</a:t>
+            </a:r>
+            <a:endParaRPr lang="de-DE" dirty="0"/>
+          </a:p>
+          <a:p>
+            <a:pPr lvl="1"/>
+            <a:r>
+              <a:rPr lang="de-DE" dirty="0"/>
+              <a:t>Feature </a:t>
+            </a:r>
+            <a:r>
+              <a:rPr lang="de-DE" dirty="0" err="1"/>
+              <a:t>building</a:t>
+            </a:r>
+            <a:r>
+              <a:rPr lang="de-DE" dirty="0"/>
+              <a:t> (den Daten halt die entsprechende </a:t>
+            </a:r>
+            <a:r>
+              <a:rPr lang="de-DE" dirty="0" err="1"/>
+              <a:t>holidays</a:t>
+            </a:r>
+            <a:r>
+              <a:rPr lang="de-DE" dirty="0"/>
+              <a:t> zuordnen)</a:t>
+            </a:r>
+          </a:p>
+          <a:p>
+            <a:r>
+              <a:rPr lang="de-DE" dirty="0"/>
+              <a:t>Solutions</a:t>
+            </a:r>
+          </a:p>
+          <a:p>
+            <a:pPr lvl="1"/>
+            <a:r>
+              <a:rPr lang="de-DE" dirty="0" err="1"/>
+              <a:t>Employ</a:t>
+            </a:r>
+            <a:r>
+              <a:rPr lang="de-DE"/>
+              <a:t> CDO </a:t>
+            </a:r>
+            <a:endParaRPr lang="de-DE" dirty="0"/>
+          </a:p>
+          <a:p>
+            <a:pPr lvl="1"/>
+            <a:endParaRPr lang="de-DE" dirty="0"/>
+          </a:p>
+        </p:txBody>
+      </p:sp>
+    </p:spTree>
+    <p:extLst>
+      <p:ext uri="{BB962C8B-B14F-4D97-AF65-F5344CB8AC3E}">
+        <p14:creationId xmlns:p14="http://schemas.microsoft.com/office/powerpoint/2010/main" val="2522017084"/>
+      </p:ext>
+    </p:extLst>
+  </p:cSld>
+  <p:clrMapOvr>
+    <a:masterClrMapping/>
+  </p:clrMapOvr>
+</p:sld>
+</file>
+
+<file path=ppt/slides/slide6.xml><?xml version="1.0" encoding="utf-8"?>
+<p:sld xmlns:a="http://schemas.openxmlformats.org/drawingml/2006/main" xmlns:r="http://schemas.openxmlformats.org/officeDocument/2006/relationships" xmlns:p="http://schemas.openxmlformats.org/presentationml/2006/main">
+  <p:cSld>
+    <p:spTree>
+      <p:nvGrpSpPr>
+        <p:cNvPr id="1" name=""/>
+        <p:cNvGrpSpPr/>
+        <p:nvPr/>
+      </p:nvGrpSpPr>
+      <p:grpSpPr>
+        <a:xfrm>
+          <a:off x="0" y="0"/>
+          <a:ext cx="0" cy="0"/>
+          <a:chOff x="0" y="0"/>
+          <a:chExt cx="0" cy="0"/>
+        </a:xfrm>
+      </p:grpSpPr>
+      <p:sp>
+        <p:nvSpPr>
+          <p:cNvPr id="2" name="Titel 1">
+            <a:extLst>
+              <a:ext uri="{FF2B5EF4-FFF2-40B4-BE49-F238E27FC236}">
+                <a16:creationId xmlns:a16="http://schemas.microsoft.com/office/drawing/2014/main" id="{BA38755B-40CA-47C7-A85E-E33B8526B369}"/>
+              </a:ext>
+            </a:extLst>
+          </p:cNvPr>
+          <p:cNvSpPr>
+            <a:spLocks noGrp="1"/>
+          </p:cNvSpPr>
+          <p:nvPr>
+            <p:ph type="title"/>
+          </p:nvPr>
+        </p:nvSpPr>
+        <p:spPr/>
+        <p:txBody>
+          <a:bodyPr/>
+          <a:lstStyle/>
+          <a:p>
+            <a:endParaRPr lang="de-DE"/>
+          </a:p>
+        </p:txBody>
+      </p:sp>
+      <p:sp>
+        <p:nvSpPr>
+          <p:cNvPr id="3" name="Inhaltsplatzhalter 2">
+            <a:extLst>
+              <a:ext uri="{FF2B5EF4-FFF2-40B4-BE49-F238E27FC236}">
+                <a16:creationId xmlns:a16="http://schemas.microsoft.com/office/drawing/2014/main" id="{F5F74CBA-8F3F-495C-8C2A-A90E87624DC5}"/>
+              </a:ext>
+            </a:extLst>
+          </p:cNvPr>
+          <p:cNvSpPr>
+            <a:spLocks noGrp="1"/>
+          </p:cNvSpPr>
+          <p:nvPr>
+            <p:ph idx="1"/>
+          </p:nvPr>
+        </p:nvSpPr>
+        <p:spPr/>
+        <p:txBody>
+          <a:bodyPr/>
+          <a:lstStyle/>
+          <a:p>
+            <a:endParaRPr lang="de-DE"/>
+          </a:p>
+        </p:txBody>
+      </p:sp>
+    </p:spTree>
+    <p:extLst>
+      <p:ext uri="{BB962C8B-B14F-4D97-AF65-F5344CB8AC3E}">
+        <p14:creationId xmlns:p14="http://schemas.microsoft.com/office/powerpoint/2010/main" val="1168327984"/>
+      </p:ext>
+    </p:extLst>
+  </p:cSld>
+  <p:clrMapOvr>
+    <a:masterClrMapping/>
+  </p:clrMapOvr>
+</p:sld>
+</file>
+
+<file path=ppt/slides/slide7.xml><?xml version="1.0" encoding="utf-8"?>
+<p:sld xmlns:a="http://schemas.openxmlformats.org/drawingml/2006/main" xmlns:r="http://schemas.openxmlformats.org/officeDocument/2006/relationships" xmlns:p="http://schemas.openxmlformats.org/presentationml/2006/main">
+  <p:cSld>
+    <p:spTree>
+      <p:nvGrpSpPr>
+        <p:cNvPr id="1" name=""/>
+        <p:cNvGrpSpPr/>
+        <p:nvPr/>
+      </p:nvGrpSpPr>
+      <p:grpSpPr>
+        <a:xfrm>
+          <a:off x="0" y="0"/>
+          <a:ext cx="0" cy="0"/>
+          <a:chOff x="0" y="0"/>
+          <a:chExt cx="0" cy="0"/>
+        </a:xfrm>
+      </p:grpSpPr>
+      <p:sp>
+        <p:nvSpPr>
+          <p:cNvPr id="2" name="Titel 1">
+            <a:extLst>
+              <a:ext uri="{FF2B5EF4-FFF2-40B4-BE49-F238E27FC236}">
                 <a16:creationId xmlns:a16="http://schemas.microsoft.com/office/drawing/2014/main" id="{A12BFE03-3BFF-46C4-A44F-6BA0976A1FCF}"/>
               </a:ext>
             </a:extLst>
@@ -3582,11 +4208,7 @@
           <a:p>
             <a:r>
               <a:rPr lang="de-DE" dirty="0"/>
-              <a:t>Vielen Dank für </a:t>
-            </a:r>
-            <a:r>
-              <a:rPr lang="de-DE"/>
-              <a:t>eure Aufmerksamkeit</a:t>
+              <a:t>Vielen Dank für eure Aufmerksamkeit</a:t>
             </a:r>
           </a:p>
         </p:txBody>
